--- a/slides/00-main.pptx
+++ b/slides/00-main.pptx
@@ -5,14 +5,13 @@
     <p:sldMasterId id="2147483768" r:id="rId1"/>
   </p:sldMasterIdLst>
   <p:notesMasterIdLst>
-    <p:notesMasterId r:id="rId7"/>
+    <p:notesMasterId r:id="rId6"/>
   </p:notesMasterIdLst>
   <p:sldIdLst>
     <p:sldId id="256" r:id="rId2"/>
     <p:sldId id="259" r:id="rId3"/>
     <p:sldId id="258" r:id="rId4"/>
     <p:sldId id="260" r:id="rId5"/>
-    <p:sldId id="261" r:id="rId6"/>
   </p:sldIdLst>
   <p:sldSz cx="9144000" cy="6858000" type="screen4x3"/>
   <p:notesSz cx="6858000" cy="9144000"/>
@@ -113,7 +112,7 @@
   </p:defaultTextStyle>
   <p:extLst>
     <p:ext uri="{EFAFB233-063F-42B5-8137-9DF3F51BA10A}">
-      <p15:sldGuideLst xmlns:p15="http://schemas.microsoft.com/office/powerpoint/2012/main">
+      <p15:sldGuideLst xmlns:p15="http://schemas.microsoft.com/office/powerpoint/2012/main" xmlns="">
         <p15:guide id="1" orient="horz" pos="2160">
           <p15:clr>
             <a:srgbClr val="A4A3A4"/>
@@ -213,7 +212,7 @@
             <a:fld id="{8F3BA4E0-4173-49C1-AEEB-B3FE05E5EF61}" type="datetimeFigureOut">
               <a:rPr lang="es-ES_tradnl" smtClean="0"/>
               <a:pPr/>
-              <a:t>15/09/2017</a:t>
+              <a:t>16/09/2017</a:t>
             </a:fld>
             <a:endParaRPr lang="es-ES_tradnl"/>
           </a:p>
@@ -384,7 +383,7 @@
     </p:spTree>
     <p:extLst>
       <p:ext uri="{BB962C8B-B14F-4D97-AF65-F5344CB8AC3E}">
-        <p14:creationId xmlns:p14="http://schemas.microsoft.com/office/powerpoint/2010/main" val="286993251"/>
+        <p14:creationId xmlns:p14="http://schemas.microsoft.com/office/powerpoint/2010/main" xmlns="" val="286993251"/>
       </p:ext>
     </p:extLst>
   </p:cSld>
@@ -666,7 +665,7 @@
             <a:fld id="{7A847CFC-816F-41D0-AAC0-9BF4FEBC753E}" type="datetimeFigureOut">
               <a:rPr lang="es-ES" smtClean="0"/>
               <a:pPr/>
-              <a:t>15/09/2017</a:t>
+              <a:t>16/09/2017</a:t>
             </a:fld>
             <a:endParaRPr lang="es-ES"/>
           </a:p>
@@ -833,7 +832,7 @@
             <a:fld id="{7A847CFC-816F-41D0-AAC0-9BF4FEBC753E}" type="datetimeFigureOut">
               <a:rPr lang="es-ES" smtClean="0"/>
               <a:pPr/>
-              <a:t>15/09/2017</a:t>
+              <a:t>16/09/2017</a:t>
             </a:fld>
             <a:endParaRPr lang="es-ES"/>
           </a:p>
@@ -1010,7 +1009,7 @@
             <a:fld id="{7A847CFC-816F-41D0-AAC0-9BF4FEBC753E}" type="datetimeFigureOut">
               <a:rPr lang="es-ES" smtClean="0"/>
               <a:pPr/>
-              <a:t>15/09/2017</a:t>
+              <a:t>16/09/2017</a:t>
             </a:fld>
             <a:endParaRPr lang="es-ES"/>
           </a:p>
@@ -1177,7 +1176,7 @@
             <a:fld id="{7A847CFC-816F-41D0-AAC0-9BF4FEBC753E}" type="datetimeFigureOut">
               <a:rPr lang="es-ES" smtClean="0"/>
               <a:pPr/>
-              <a:t>15/09/2017</a:t>
+              <a:t>16/09/2017</a:t>
             </a:fld>
             <a:endParaRPr lang="es-ES"/>
           </a:p>
@@ -1420,7 +1419,7 @@
             <a:fld id="{7A847CFC-816F-41D0-AAC0-9BF4FEBC753E}" type="datetimeFigureOut">
               <a:rPr lang="es-ES" smtClean="0"/>
               <a:pPr/>
-              <a:t>15/09/2017</a:t>
+              <a:t>16/09/2017</a:t>
             </a:fld>
             <a:endParaRPr lang="es-ES"/>
           </a:p>
@@ -1705,7 +1704,7 @@
             <a:fld id="{7A847CFC-816F-41D0-AAC0-9BF4FEBC753E}" type="datetimeFigureOut">
               <a:rPr lang="es-ES" smtClean="0"/>
               <a:pPr/>
-              <a:t>15/09/2017</a:t>
+              <a:t>16/09/2017</a:t>
             </a:fld>
             <a:endParaRPr lang="es-ES"/>
           </a:p>
@@ -2124,7 +2123,7 @@
             <a:fld id="{7A847CFC-816F-41D0-AAC0-9BF4FEBC753E}" type="datetimeFigureOut">
               <a:rPr lang="es-ES" smtClean="0"/>
               <a:pPr/>
-              <a:t>15/09/2017</a:t>
+              <a:t>16/09/2017</a:t>
             </a:fld>
             <a:endParaRPr lang="es-ES"/>
           </a:p>
@@ -2239,7 +2238,7 @@
             <a:fld id="{7A847CFC-816F-41D0-AAC0-9BF4FEBC753E}" type="datetimeFigureOut">
               <a:rPr lang="es-ES" smtClean="0"/>
               <a:pPr/>
-              <a:t>15/09/2017</a:t>
+              <a:t>16/09/2017</a:t>
             </a:fld>
             <a:endParaRPr lang="es-ES"/>
           </a:p>
@@ -2331,7 +2330,7 @@
             <a:fld id="{7A847CFC-816F-41D0-AAC0-9BF4FEBC753E}" type="datetimeFigureOut">
               <a:rPr lang="es-ES" smtClean="0"/>
               <a:pPr/>
-              <a:t>15/09/2017</a:t>
+              <a:t>16/09/2017</a:t>
             </a:fld>
             <a:endParaRPr lang="es-ES"/>
           </a:p>
@@ -2605,7 +2604,7 @@
             <a:fld id="{7A847CFC-816F-41D0-AAC0-9BF4FEBC753E}" type="datetimeFigureOut">
               <a:rPr lang="es-ES" smtClean="0"/>
               <a:pPr/>
-              <a:t>15/09/2017</a:t>
+              <a:t>16/09/2017</a:t>
             </a:fld>
             <a:endParaRPr lang="es-ES"/>
           </a:p>
@@ -2855,7 +2854,7 @@
             <a:fld id="{7A847CFC-816F-41D0-AAC0-9BF4FEBC753E}" type="datetimeFigureOut">
               <a:rPr lang="es-ES" smtClean="0"/>
               <a:pPr/>
-              <a:t>15/09/2017</a:t>
+              <a:t>16/09/2017</a:t>
             </a:fld>
             <a:endParaRPr lang="es-ES"/>
           </a:p>
@@ -3065,7 +3064,7 @@
             <a:fld id="{7A847CFC-816F-41D0-AAC0-9BF4FEBC753E}" type="datetimeFigureOut">
               <a:rPr lang="es-ES" smtClean="0"/>
               <a:pPr/>
-              <a:t>15/09/2017</a:t>
+              <a:t>16/09/2017</a:t>
             </a:fld>
             <a:endParaRPr lang="es-ES"/>
           </a:p>
@@ -3901,7 +3900,7 @@
           <a:blip r:embed="rId5" cstate="print">
             <a:extLst>
               <a:ext uri="{28A0092B-C50C-407E-A947-70E740481C1C}">
-                <a14:useLocalDpi xmlns:a14="http://schemas.microsoft.com/office/drawing/2010/main" val="0"/>
+                <a14:useLocalDpi xmlns:a14="http://schemas.microsoft.com/office/drawing/2010/main" xmlns="" val="0"/>
               </a:ext>
             </a:extLst>
           </a:blip>
@@ -3921,7 +3920,7 @@
     </p:spTree>
     <p:extLst>
       <p:ext uri="{BB962C8B-B14F-4D97-AF65-F5344CB8AC3E}">
-        <p14:creationId xmlns:p14="http://schemas.microsoft.com/office/powerpoint/2010/main" val="2234149420"/>
+        <p14:creationId xmlns:p14="http://schemas.microsoft.com/office/powerpoint/2010/main" xmlns="" val="2234149420"/>
       </p:ext>
     </p:extLst>
   </p:cSld>
@@ -4521,108 +4520,7 @@
     </p:spTree>
     <p:extLst>
       <p:ext uri="{BB962C8B-B14F-4D97-AF65-F5344CB8AC3E}">
-        <p14:creationId xmlns:p14="http://schemas.microsoft.com/office/powerpoint/2010/main" val="2759985783"/>
-      </p:ext>
-    </p:extLst>
-  </p:cSld>
-  <p:clrMapOvr>
-    <a:masterClrMapping/>
-  </p:clrMapOvr>
-  <p:timing>
-    <p:tnLst>
-      <p:par>
-        <p:cTn id="1" dur="indefinite" restart="never" nodeType="tmRoot"/>
-      </p:par>
-    </p:tnLst>
-  </p:timing>
-</p:sld>
-</file>
-
-<file path=ppt/slides/slide5.xml><?xml version="1.0" encoding="utf-8"?>
-<p:sld xmlns:a="http://schemas.openxmlformats.org/drawingml/2006/main" xmlns:r="http://schemas.openxmlformats.org/officeDocument/2006/relationships" xmlns:p="http://schemas.openxmlformats.org/presentationml/2006/main">
-  <p:cSld>
-    <p:spTree>
-      <p:nvGrpSpPr>
-        <p:cNvPr id="1" name=""/>
-        <p:cNvGrpSpPr/>
-        <p:nvPr/>
-      </p:nvGrpSpPr>
-      <p:grpSpPr>
-        <a:xfrm>
-          <a:off x="0" y="0"/>
-          <a:ext cx="0" cy="0"/>
-          <a:chOff x="0" y="0"/>
-          <a:chExt cx="0" cy="0"/>
-        </a:xfrm>
-      </p:grpSpPr>
-      <p:sp>
-        <p:nvSpPr>
-          <p:cNvPr id="2" name="Título 1"/>
-          <p:cNvSpPr>
-            <a:spLocks noGrp="1"/>
-          </p:cNvSpPr>
-          <p:nvPr>
-            <p:ph type="title"/>
-          </p:nvPr>
-        </p:nvSpPr>
-        <p:spPr/>
-        <p:txBody>
-          <a:bodyPr/>
-          <a:lstStyle/>
-          <a:p>
-            <a:r>
-              <a:rPr lang="es-ES" dirty="0" smtClean="0"/>
-              <a:t>PAPERS</a:t>
-            </a:r>
-            <a:endParaRPr lang="es-ES" dirty="0"/>
-          </a:p>
-        </p:txBody>
-      </p:sp>
-      <p:sp>
-        <p:nvSpPr>
-          <p:cNvPr id="3" name="Marcador de contenido 2"/>
-          <p:cNvSpPr>
-            <a:spLocks noGrp="1"/>
-          </p:cNvSpPr>
-          <p:nvPr>
-            <p:ph idx="1"/>
-          </p:nvPr>
-        </p:nvSpPr>
-        <p:spPr/>
-        <p:txBody>
-          <a:bodyPr/>
-          <a:lstStyle/>
-          <a:p>
-            <a:r>
-              <a:rPr lang="es-ES" dirty="0" smtClean="0"/>
-              <a:t>Poner aquí los </a:t>
-            </a:r>
-            <a:r>
-              <a:rPr lang="es-ES" dirty="0" err="1" smtClean="0"/>
-              <a:t>papers</a:t>
-            </a:r>
-            <a:r>
-              <a:rPr lang="es-ES" dirty="0" smtClean="0"/>
-              <a:t> relevantes, o en algún otro sitio</a:t>
-            </a:r>
-          </a:p>
-          <a:p>
-            <a:r>
-              <a:rPr lang="es-ES" dirty="0" smtClean="0"/>
-              <a:t>También en otro sitio datos del análisis </a:t>
-            </a:r>
-            <a:r>
-              <a:rPr lang="es-ES" smtClean="0"/>
-              <a:t>del zoo</a:t>
-            </a:r>
-            <a:endParaRPr lang="es-ES" dirty="0"/>
-          </a:p>
-        </p:txBody>
-      </p:sp>
-    </p:spTree>
-    <p:extLst>
-      <p:ext uri="{BB962C8B-B14F-4D97-AF65-F5344CB8AC3E}">
-        <p14:creationId xmlns:p14="http://schemas.microsoft.com/office/powerpoint/2010/main" val="1396519992"/>
+        <p14:creationId xmlns:p14="http://schemas.microsoft.com/office/powerpoint/2010/main" xmlns="" val="2759985783"/>
       </p:ext>
     </p:extLst>
   </p:cSld>
